--- a/help/data-sheets/assets/EnterpriseSupportDatasheet.pptx
+++ b/help/data-sheets/assets/EnterpriseSupportDatasheet.pptx
@@ -217,7 +217,7 @@
           <a:p>
             <a:fld id="{CCB2A597-803A-C244-97E2-A01066125D19}" type="datetimeFigureOut">
               <a:rPr lang="en-US" smtClean="0"/>
-              <a:t>11/18/21</a:t>
+              <a:t>12/17/21</a:t>
             </a:fld>
             <a:endParaRPr lang="en-US"/>
           </a:p>
@@ -973,7 +973,7 @@
           <a:p>
             <a:fld id="{1D8BD707-D9CF-40AE-B4C6-C98DA3205C09}" type="datetimeFigureOut">
               <a:rPr lang="en-US"/>
-              <a:t>11/18/21</a:t>
+              <a:t>12/17/21</a:t>
             </a:fld>
             <a:endParaRPr lang="en-US"/>
           </a:p>
@@ -1214,7 +1214,7 @@
           <a:p>
             <a:fld id="{1D8BD707-D9CF-40AE-B4C6-C98DA3205C09}" type="datetimeFigureOut">
               <a:rPr lang="en-US"/>
-              <a:t>11/18/21</a:t>
+              <a:t>12/17/21</a:t>
             </a:fld>
             <a:endParaRPr lang="en-US"/>
           </a:p>
@@ -1468,7 +1468,7 @@
           <a:p>
             <a:fld id="{1D8BD707-D9CF-40AE-B4C6-C98DA3205C09}" type="datetimeFigureOut">
               <a:rPr lang="en-US"/>
-              <a:t>11/18/21</a:t>
+              <a:t>12/17/21</a:t>
             </a:fld>
             <a:endParaRPr lang="en-US"/>
           </a:p>
@@ -1656,7 +1656,7 @@
           <a:p>
             <a:fld id="{1D8BD707-D9CF-40AE-B4C6-C98DA3205C09}" type="datetimeFigureOut">
               <a:rPr lang="en-US"/>
-              <a:t>11/18/21</a:t>
+              <a:t>12/17/21</a:t>
             </a:fld>
             <a:endParaRPr lang="en-US"/>
           </a:p>
@@ -1815,7 +1815,7 @@
           <a:p>
             <a:fld id="{1D8BD707-D9CF-40AE-B4C6-C98DA3205C09}" type="datetimeFigureOut">
               <a:rPr lang="en-US"/>
-              <a:t>11/18/21</a:t>
+              <a:t>12/17/21</a:t>
             </a:fld>
             <a:endParaRPr lang="en-US"/>
           </a:p>
@@ -2074,7 +2074,7 @@
           <a:p>
             <a:fld id="{1D8BD707-D9CF-40AE-B4C6-C98DA3205C09}" type="datetimeFigureOut">
               <a:rPr lang="en-US"/>
-              <a:t>11/18/21</a:t>
+              <a:t>12/17/21</a:t>
             </a:fld>
             <a:endParaRPr lang="en-US"/>
           </a:p>
@@ -2540,7 +2540,7 @@
           <p:nvPr>
             <p:extLst>
               <p:ext uri="{D42A27DB-BD31-4B8C-83A1-F6EECF244321}">
-                <p14:modId xmlns:p14="http://schemas.microsoft.com/office/powerpoint/2010/main" val="694246872"/>
+                <p14:modId xmlns:p14="http://schemas.microsoft.com/office/powerpoint/2010/main" val="600491"/>
               </p:ext>
             </p:extLst>
           </p:nvPr>
@@ -2785,7 +2785,7 @@
                         </a:spcBef>
                       </a:pPr>
                       <a:r>
-                        <a:rPr lang="en-US" sz="900" b="1" spc="-15">
+                        <a:rPr lang="en-US" sz="900" b="1" spc="-15" dirty="0" err="1">
                           <a:solidFill>
                             <a:srgbClr val="020302"/>
                           </a:solidFill>
@@ -2795,7 +2795,7 @@
                         <a:t>优</a:t>
                       </a:r>
                       <a:r>
-                        <a:rPr lang="en-US" sz="900" b="1" spc="-20">
+                        <a:rPr lang="en-US" sz="900" b="1" spc="-20" dirty="0" err="1">
                           <a:solidFill>
                             <a:srgbClr val="020302"/>
                           </a:solidFill>
@@ -2805,7 +2805,7 @@
                         <a:t>先</a:t>
                       </a:r>
                       <a:r>
-                        <a:rPr lang="en-US" sz="900" b="1" spc="-25">
+                        <a:rPr lang="en-US" sz="900" b="1" spc="-25" dirty="0" err="1">
                           <a:solidFill>
                             <a:srgbClr val="020302"/>
                           </a:solidFill>
@@ -2815,7 +2815,7 @@
                         <a:t>级</a:t>
                       </a:r>
                       <a:r>
-                        <a:rPr lang="en-US" sz="900" b="1" spc="-40">
+                        <a:rPr lang="en-US" sz="900" b="1" spc="-40" dirty="0">
                           <a:solidFill>
                             <a:srgbClr val="020302"/>
                           </a:solidFill>
@@ -2825,7 +2825,7 @@
                         <a:t> </a:t>
                       </a:r>
                       <a:r>
-                        <a:rPr lang="en-US" sz="900" b="1">
+                        <a:rPr lang="en-US" sz="900" b="1" dirty="0">
                           <a:solidFill>
                             <a:srgbClr val="020302"/>
                           </a:solidFill>
@@ -2834,7 +2834,7 @@
                         </a:rPr>
                         <a:t>1</a:t>
                       </a:r>
-                      <a:endParaRPr sz="900">
+                      <a:endParaRPr sz="900" dirty="0">
                         <a:latin typeface="Adobe Clean"/>
                         <a:cs typeface="Adobe Clean"/>
                       </a:endParaRPr>
@@ -2857,28 +2857,16 @@
                         <a:defRPr/>
                       </a:pPr>
                       <a:r>
-                        <a:rPr lang="en-US" sz="900" b="0" i="0" spc="-130">
+                        <a:rPr lang="ja-JP" altLang="en-US" sz="900" b="0" i="0" spc="-130">
                           <a:solidFill>
                             <a:srgbClr val="020302"/>
                           </a:solidFill>
                           <a:latin typeface="Adobe Clean Light" panose="020B0303020404020204" pitchFamily="34" charset="0"/>
                           <a:cs typeface="Adobe Clean"/>
                         </a:rPr>
-                        <a:t> </a:t>
-                      </a:r>
-                      <a:r>
-                        <a:rPr lang="en-US" sz="900" b="0" i="0" u="none" strike="noStrike">
-                          <a:solidFill>
-                            <a:schemeClr val="tx1"/>
-                          </a:solidFill>
-                          <a:effectLst/>
-                          <a:latin typeface="Adobe Clean Light" panose="020B0303020404020204" pitchFamily="34" charset="0"/>
-                          <a:ea typeface="+mn-ea"/>
-                          <a:cs typeface="+mn-cs"/>
-                        </a:rPr>
                         <a:t>客户的生产业务功能中断或发生重大数据丢失或服务降级，需要立即关注以恢复功能和可用性</a:t>
                       </a:r>
-                      <a:endParaRPr lang="en-US" sz="900" b="0" i="0">
+                      <a:endParaRPr lang="en-US" sz="900" b="0" i="0" dirty="0">
                         <a:latin typeface="Adobe Clean Light" panose="020B0303020404020204" pitchFamily="34" charset="0"/>
                         <a:cs typeface="AdobeClean-Light"/>
                       </a:endParaRPr>
@@ -3173,7 +3161,7 @@
                         </a:spcBef>
                       </a:pPr>
                       <a:r>
-                        <a:rPr lang="en-US" sz="900" b="1" spc="-15">
+                        <a:rPr lang="en-US" sz="900" b="1" spc="-15" dirty="0" err="1">
                           <a:solidFill>
                             <a:srgbClr val="020302"/>
                           </a:solidFill>
@@ -3183,7 +3171,7 @@
                         <a:t>优</a:t>
                       </a:r>
                       <a:r>
-                        <a:rPr lang="en-US" sz="900" b="1" spc="-20">
+                        <a:rPr lang="en-US" sz="900" b="1" spc="-20" dirty="0" err="1">
                           <a:solidFill>
                             <a:srgbClr val="020302"/>
                           </a:solidFill>
@@ -3193,7 +3181,7 @@
                         <a:t>先</a:t>
                       </a:r>
                       <a:r>
-                        <a:rPr lang="en-US" sz="900" b="1" spc="-25">
+                        <a:rPr lang="en-US" sz="900" b="1" spc="-25" dirty="0" err="1">
                           <a:solidFill>
                             <a:srgbClr val="020302"/>
                           </a:solidFill>
@@ -3203,7 +3191,7 @@
                         <a:t>级</a:t>
                       </a:r>
                       <a:r>
-                        <a:rPr lang="en-US" sz="900" b="1" spc="-40">
+                        <a:rPr lang="en-US" sz="900" b="1" spc="-40" dirty="0">
                           <a:solidFill>
                             <a:srgbClr val="020302"/>
                           </a:solidFill>
@@ -3213,7 +3201,7 @@
                         <a:t> </a:t>
                       </a:r>
                       <a:r>
-                        <a:rPr lang="en-US" sz="900" b="1">
+                        <a:rPr lang="en-US" sz="900" b="1" dirty="0">
                           <a:solidFill>
                             <a:srgbClr val="020302"/>
                           </a:solidFill>
@@ -3222,7 +3210,7 @@
                         </a:rPr>
                         <a:t>2</a:t>
                       </a:r>
-                      <a:endParaRPr sz="900">
+                      <a:endParaRPr sz="900" dirty="0">
                         <a:latin typeface="Adobe Clean"/>
                         <a:cs typeface="Adobe Clean"/>
                       </a:endParaRPr>
@@ -3237,7 +3225,7 @@
                         </a:spcBef>
                       </a:pPr>
                       <a:r>
-                        <a:rPr lang="en-US" sz="900" b="0" i="0" u="none" strike="noStrike">
+                        <a:rPr lang="ja-JP" altLang="en-US" sz="900" b="0" i="0" u="none" strike="noStrike">
                           <a:solidFill>
                             <a:schemeClr val="tx1"/>
                           </a:solidFill>
@@ -3246,9 +3234,9 @@
                           <a:ea typeface="+mn-ea"/>
                           <a:cs typeface="+mn-cs"/>
                         </a:rPr>
-                        <a:t>客户的业务功能发生重大服务降级、潜在数据丢失或服务不可用，或主要功能受到影响</a:t>
+                        <a:t>客户的业务功能发生重大服务降级或潜在数据丢失，或主要功能受到影响 </a:t>
                       </a:r>
-                      <a:endParaRPr lang="en-US" sz="900" b="0" i="0">
+                      <a:endParaRPr lang="en-US" sz="900" b="0" i="0" dirty="0">
                         <a:latin typeface="Adobe Clean Light" panose="020B0303020404020204" pitchFamily="34" charset="0"/>
                         <a:cs typeface="AdobeClean-Light"/>
                       </a:endParaRPr>
@@ -3516,7 +3504,7 @@
                         </a:spcBef>
                       </a:pPr>
                       <a:r>
-                        <a:rPr lang="en-US" sz="900" b="1" spc="-15">
+                        <a:rPr lang="en-US" sz="900" b="1" spc="-15" dirty="0" err="1">
                           <a:solidFill>
                             <a:srgbClr val="020302"/>
                           </a:solidFill>
@@ -3526,7 +3514,7 @@
                         <a:t>优</a:t>
                       </a:r>
                       <a:r>
-                        <a:rPr lang="en-US" sz="900" b="1" spc="-20">
+                        <a:rPr lang="en-US" sz="900" b="1" spc="-20" dirty="0" err="1">
                           <a:solidFill>
                             <a:srgbClr val="020302"/>
                           </a:solidFill>
@@ -3536,7 +3524,7 @@
                         <a:t>先</a:t>
                       </a:r>
                       <a:r>
-                        <a:rPr lang="en-US" sz="900" b="1" spc="-25">
+                        <a:rPr lang="en-US" sz="900" b="1" spc="-25" dirty="0" err="1">
                           <a:solidFill>
                             <a:srgbClr val="020302"/>
                           </a:solidFill>
@@ -3546,7 +3534,7 @@
                         <a:t>级</a:t>
                       </a:r>
                       <a:r>
-                        <a:rPr lang="en-US" sz="900" b="1" spc="-40">
+                        <a:rPr lang="en-US" sz="900" b="1" spc="-40" dirty="0">
                           <a:solidFill>
                             <a:srgbClr val="020302"/>
                           </a:solidFill>
@@ -3556,7 +3544,7 @@
                         <a:t> </a:t>
                       </a:r>
                       <a:r>
-                        <a:rPr lang="en-US" sz="900" b="1">
+                        <a:rPr lang="en-US" sz="900" b="1" dirty="0">
                           <a:solidFill>
                             <a:srgbClr val="020302"/>
                           </a:solidFill>
@@ -3565,7 +3553,7 @@
                         </a:rPr>
                         <a:t>3</a:t>
                       </a:r>
-                      <a:endParaRPr sz="900">
+                      <a:endParaRPr sz="900" dirty="0">
                         <a:latin typeface="Adobe Clean"/>
                         <a:cs typeface="Adobe Clean"/>
                       </a:endParaRPr>
@@ -3580,7 +3568,7 @@
                         </a:spcBef>
                       </a:pPr>
                       <a:r>
-                        <a:rPr lang="en-US" sz="900" b="0" i="0" u="none" strike="noStrike">
+                        <a:rPr lang="ja-JP" altLang="en-US" sz="900" b="0" i="0" u="none" strike="noStrike">
                           <a:solidFill>
                             <a:schemeClr val="tx1"/>
                           </a:solidFill>
@@ -3589,9 +3577,33 @@
                           <a:ea typeface="+mn-ea"/>
                           <a:cs typeface="+mn-cs"/>
                         </a:rPr>
-                        <a:t>客户的业务功能发生轻微的服务降级或未发生服务降级，但有解决方案/解决方法可让业务功能继续正常工作</a:t>
+                        <a:t>客户的业务功能发生轻微的服务降级，但有解决方案</a:t>
                       </a:r>
-                      <a:endParaRPr lang="en-US" sz="900" b="0" i="0">
+                      <a:r>
+                        <a:rPr lang="en-US" altLang="ja-JP" sz="900" b="0" i="0" u="none" strike="noStrike" dirty="0">
+                          <a:solidFill>
+                            <a:schemeClr val="tx1"/>
+                          </a:solidFill>
+                          <a:effectLst/>
+                          <a:latin typeface="Adobe Clean Light" panose="020B0303020404020204" pitchFamily="34" charset="0"/>
+                          <a:ea typeface="+mn-ea"/>
+                          <a:cs typeface="+mn-cs"/>
+                        </a:rPr>
+                        <a:t>/</a:t>
+                      </a:r>
+                      <a:r>
+                        <a:rPr lang="ja-JP" altLang="en-US" sz="900" b="0" i="0" u="none" strike="noStrike">
+                          <a:solidFill>
+                            <a:schemeClr val="tx1"/>
+                          </a:solidFill>
+                          <a:effectLst/>
+                          <a:latin typeface="Adobe Clean Light" panose="020B0303020404020204" pitchFamily="34" charset="0"/>
+                          <a:ea typeface="+mn-ea"/>
+                          <a:cs typeface="+mn-cs"/>
+                        </a:rPr>
+                        <a:t>解决方法可让业务功能继续正常工作 </a:t>
+                      </a:r>
+                      <a:endParaRPr lang="en-US" sz="900" b="0" i="0" dirty="0">
                         <a:latin typeface="Adobe Clean Light" panose="020B0303020404020204" pitchFamily="34" charset="0"/>
                         <a:cs typeface="AdobeClean-Light"/>
                       </a:endParaRPr>
@@ -3892,7 +3904,7 @@
                         </a:spcBef>
                       </a:pPr>
                       <a:r>
-                        <a:rPr lang="en-US" sz="900" b="1" spc="-15">
+                        <a:rPr lang="en-US" sz="900" b="1" spc="-15" dirty="0" err="1">
                           <a:solidFill>
                             <a:srgbClr val="020302"/>
                           </a:solidFill>
@@ -3902,7 +3914,7 @@
                         <a:t>优</a:t>
                       </a:r>
                       <a:r>
-                        <a:rPr lang="en-US" sz="900" b="1" spc="-20">
+                        <a:rPr lang="en-US" sz="900" b="1" spc="-20" dirty="0" err="1">
                           <a:solidFill>
                             <a:srgbClr val="020302"/>
                           </a:solidFill>
@@ -3912,7 +3924,7 @@
                         <a:t>先</a:t>
                       </a:r>
                       <a:r>
-                        <a:rPr lang="en-US" sz="900" b="1" spc="-25">
+                        <a:rPr lang="en-US" sz="900" b="1" spc="-25" dirty="0" err="1">
                           <a:solidFill>
                             <a:srgbClr val="020302"/>
                           </a:solidFill>
@@ -3922,7 +3934,7 @@
                         <a:t>级</a:t>
                       </a:r>
                       <a:r>
-                        <a:rPr lang="en-US" sz="900" b="1" spc="-40">
+                        <a:rPr lang="en-US" sz="900" b="1" spc="-40" dirty="0">
                           <a:solidFill>
                             <a:srgbClr val="020302"/>
                           </a:solidFill>
@@ -3932,7 +3944,7 @@
                         <a:t> </a:t>
                       </a:r>
                       <a:r>
-                        <a:rPr lang="en-US" sz="900" b="1">
+                        <a:rPr lang="en-US" sz="900" b="1" dirty="0">
                           <a:solidFill>
                             <a:srgbClr val="020302"/>
                           </a:solidFill>
@@ -3941,7 +3953,7 @@
                         </a:rPr>
                         <a:t>4</a:t>
                       </a:r>
-                      <a:endParaRPr sz="900">
+                      <a:endParaRPr sz="900" dirty="0">
                         <a:latin typeface="Adobe Clean"/>
                         <a:cs typeface="Adobe Clean"/>
                       </a:endParaRPr>
@@ -3956,7 +3968,7 @@
                         </a:spcBef>
                       </a:pPr>
                       <a:r>
-                        <a:rPr lang="en-US" sz="900" b="1" spc="-90">
+                        <a:rPr lang="en-US" sz="900" b="1" spc="-90" dirty="0">
                           <a:solidFill>
                             <a:srgbClr val="020302"/>
                           </a:solidFill>
@@ -3966,7 +3978,7 @@
                         <a:t> </a:t>
                       </a:r>
                       <a:r>
-                        <a:rPr lang="en-US" sz="900" b="0" i="0" u="none" strike="noStrike">
+                        <a:rPr lang="ja-JP" altLang="en-US" sz="900" b="0" i="0" u="none" strike="noStrike">
                           <a:solidFill>
                             <a:schemeClr val="tx1"/>
                           </a:solidFill>
@@ -3977,7 +3989,7 @@
                         </a:rPr>
                         <a:t>有关当前产品功能或增强功能请求的常见问题</a:t>
                       </a:r>
-                      <a:endParaRPr lang="en-US" sz="900" b="0" i="0">
+                      <a:endParaRPr lang="en-US" sz="900" b="0" i="0" dirty="0">
                         <a:latin typeface="Adobe Clean Light" panose="020B0303020404020204" pitchFamily="34" charset="0"/>
                         <a:cs typeface="AdobeClean-Light"/>
                       </a:endParaRPr>
